--- a/modules/PPT/BagLimits.pptx
+++ b/modules/PPT/BagLimits.pptx
@@ -4529,15 +4529,7 @@
           <a:p>
             <a:r>
               <a:rPr lang="en-US" dirty="0" smtClean="0"/>
-              <a:t>Recommend </a:t>
-            </a:r>
-            <a:r>
-              <a:rPr lang="en-US" smtClean="0"/>
-              <a:t>lower limits </a:t>
-            </a:r>
-            <a:r>
-              <a:rPr lang="en-US" dirty="0" smtClean="0"/>
-              <a:t>when …</a:t>
+              <a:t>Recommend lower limits when …</a:t>
             </a:r>
           </a:p>
           <a:p>
@@ -4750,15 +4742,33 @@
                                   </p:childTnLst>
                                 </p:cTn>
                               </p:par>
+                            </p:childTnLst>
+                          </p:cTn>
+                        </p:par>
+                      </p:childTnLst>
+                    </p:cTn>
+                  </p:par>
+                  <p:par>
+                    <p:cTn id="15" fill="hold">
+                      <p:stCondLst>
+                        <p:cond delay="indefinite"/>
+                      </p:stCondLst>
+                      <p:childTnLst>
+                        <p:par>
+                          <p:cTn id="16" fill="hold">
+                            <p:stCondLst>
+                              <p:cond delay="0"/>
+                            </p:stCondLst>
+                            <p:childTnLst>
                               <p:par>
-                                <p:cTn id="15" presetID="1" presetClass="entr" presetSubtype="0" fill="hold" grpId="0" nodeType="withEffect">
+                                <p:cTn id="17" presetID="1" presetClass="entr" presetSubtype="0" fill="hold" grpId="0" nodeType="clickEffect">
                                   <p:stCondLst>
                                     <p:cond delay="0"/>
                                   </p:stCondLst>
                                   <p:childTnLst>
                                     <p:set>
                                       <p:cBhvr>
-                                        <p:cTn id="16" dur="1" fill="hold">
+                                        <p:cTn id="18" dur="1" fill="hold">
                                           <p:stCondLst>
                                             <p:cond delay="0"/>
                                           </p:stCondLst>
@@ -4788,26 +4798,26 @@
                     </p:cTn>
                   </p:par>
                   <p:par>
-                    <p:cTn id="17" fill="hold">
+                    <p:cTn id="19" fill="hold">
                       <p:stCondLst>
                         <p:cond delay="indefinite"/>
                       </p:stCondLst>
                       <p:childTnLst>
                         <p:par>
-                          <p:cTn id="18" fill="hold">
+                          <p:cTn id="20" fill="hold">
                             <p:stCondLst>
                               <p:cond delay="0"/>
                             </p:stCondLst>
                             <p:childTnLst>
                               <p:par>
-                                <p:cTn id="19" presetID="1" presetClass="entr" presetSubtype="0" fill="hold" grpId="0" nodeType="clickEffect">
+                                <p:cTn id="21" presetID="1" presetClass="entr" presetSubtype="0" fill="hold" grpId="0" nodeType="clickEffect">
                                   <p:stCondLst>
                                     <p:cond delay="0"/>
                                   </p:stCondLst>
                                   <p:childTnLst>
                                     <p:set>
                                       <p:cBhvr>
-                                        <p:cTn id="20" dur="1" fill="hold">
+                                        <p:cTn id="22" dur="1" fill="hold">
                                           <p:stCondLst>
                                             <p:cond delay="0"/>
                                           </p:stCondLst>
@@ -4831,14 +4841,14 @@
                                 </p:cTn>
                               </p:par>
                               <p:par>
-                                <p:cTn id="21" presetID="1" presetClass="entr" presetSubtype="0" fill="hold" grpId="0" nodeType="withEffect">
+                                <p:cTn id="23" presetID="1" presetClass="entr" presetSubtype="0" fill="hold" grpId="0" nodeType="withEffect">
                                   <p:stCondLst>
                                     <p:cond delay="0"/>
                                   </p:stCondLst>
                                   <p:childTnLst>
                                     <p:set>
                                       <p:cBhvr>
-                                        <p:cTn id="22" dur="1" fill="hold">
+                                        <p:cTn id="24" dur="1" fill="hold">
                                           <p:stCondLst>
                                             <p:cond delay="0"/>
                                           </p:stCondLst>
@@ -4868,26 +4878,26 @@
                     </p:cTn>
                   </p:par>
                   <p:par>
-                    <p:cTn id="23" fill="hold">
+                    <p:cTn id="25" fill="hold">
                       <p:stCondLst>
                         <p:cond delay="indefinite"/>
                       </p:stCondLst>
                       <p:childTnLst>
                         <p:par>
-                          <p:cTn id="24" fill="hold">
+                          <p:cTn id="26" fill="hold">
                             <p:stCondLst>
                               <p:cond delay="0"/>
                             </p:stCondLst>
                             <p:childTnLst>
                               <p:par>
-                                <p:cTn id="25" presetID="1" presetClass="entr" presetSubtype="0" fill="hold" grpId="0" nodeType="clickEffect">
+                                <p:cTn id="27" presetID="1" presetClass="entr" presetSubtype="0" fill="hold" grpId="0" nodeType="clickEffect">
                                   <p:stCondLst>
                                     <p:cond delay="0"/>
                                   </p:stCondLst>
                                   <p:childTnLst>
                                     <p:set>
                                       <p:cBhvr>
-                                        <p:cTn id="26" dur="1" fill="hold">
+                                        <p:cTn id="28" dur="1" fill="hold">
                                           <p:stCondLst>
                                             <p:cond delay="0"/>
                                           </p:stCondLst>
@@ -4911,14 +4921,14 @@
                                 </p:cTn>
                               </p:par>
                               <p:par>
-                                <p:cTn id="27" presetID="1" presetClass="entr" presetSubtype="0" fill="hold" grpId="0" nodeType="withEffect">
+                                <p:cTn id="29" presetID="1" presetClass="entr" presetSubtype="0" fill="hold" grpId="0" nodeType="withEffect">
                                   <p:stCondLst>
                                     <p:cond delay="0"/>
                                   </p:stCondLst>
                                   <p:childTnLst>
                                     <p:set>
                                       <p:cBhvr>
-                                        <p:cTn id="28" dur="1" fill="hold">
+                                        <p:cTn id="30" dur="1" fill="hold">
                                           <p:stCondLst>
                                             <p:cond delay="0"/>
                                           </p:stCondLst>
